--- a/02. Lecture Slides/00. what statistical technque should I use 15 (2).pptx
+++ b/02. Lecture Slides/00. what statistical technque should I use 15 (2).pptx
@@ -959,7 +959,7 @@
           <a:lstStyle/>
           <a:p>
             <a:pPr eaLnBrk="1" hangingPunct="1"/>
-            <a:endParaRPr lang="en-US"/>
+            <a:endParaRPr lang="en-US" dirty="0"/>
           </a:p>
         </p:txBody>
       </p:sp>
@@ -1051,7 +1051,7 @@
               <a:pPr>
                 <a:defRPr/>
               </a:pPr>
-              <a:t>19</a:t>
+              <a:t>18</a:t>
             </a:fld>
             <a:endParaRPr lang="en-US">
               <a:solidFill>
@@ -1064,7 +1064,7 @@
     </p:spTree>
     <p:extLst>
       <p:ext uri="{BB962C8B-B14F-4D97-AF65-F5344CB8AC3E}">
-        <p14:creationId xmlns:p14="http://schemas.microsoft.com/office/powerpoint/2010/main" val="2007742834"/>
+        <p14:creationId xmlns:p14="http://schemas.microsoft.com/office/powerpoint/2010/main" val="1897408486"/>
       </p:ext>
     </p:extLst>
   </p:cSld>
@@ -1149,7 +1149,7 @@
               <a:pPr>
                 <a:defRPr/>
               </a:pPr>
-              <a:t>21</a:t>
+              <a:t>19</a:t>
             </a:fld>
             <a:endParaRPr lang="en-US">
               <a:solidFill>
@@ -1162,7 +1162,7 @@
     </p:spTree>
     <p:extLst>
       <p:ext uri="{BB962C8B-B14F-4D97-AF65-F5344CB8AC3E}">
-        <p14:creationId xmlns:p14="http://schemas.microsoft.com/office/powerpoint/2010/main" val="2729962691"/>
+        <p14:creationId xmlns:p14="http://schemas.microsoft.com/office/powerpoint/2010/main" val="2007742834"/>
       </p:ext>
     </p:extLst>
   </p:cSld>
@@ -1247,7 +1247,7 @@
               <a:pPr>
                 <a:defRPr/>
               </a:pPr>
-              <a:t>22</a:t>
+              <a:t>21</a:t>
             </a:fld>
             <a:endParaRPr lang="en-US">
               <a:solidFill>
@@ -1260,7 +1260,7 @@
     </p:spTree>
     <p:extLst>
       <p:ext uri="{BB962C8B-B14F-4D97-AF65-F5344CB8AC3E}">
-        <p14:creationId xmlns:p14="http://schemas.microsoft.com/office/powerpoint/2010/main" val="1677278690"/>
+        <p14:creationId xmlns:p14="http://schemas.microsoft.com/office/powerpoint/2010/main" val="2729962691"/>
       </p:ext>
     </p:extLst>
   </p:cSld>
@@ -1345,7 +1345,7 @@
               <a:pPr>
                 <a:defRPr/>
               </a:pPr>
-              <a:t>23</a:t>
+              <a:t>22</a:t>
             </a:fld>
             <a:endParaRPr lang="en-US">
               <a:solidFill>
@@ -1358,7 +1358,7 @@
     </p:spTree>
     <p:extLst>
       <p:ext uri="{BB962C8B-B14F-4D97-AF65-F5344CB8AC3E}">
-        <p14:creationId xmlns:p14="http://schemas.microsoft.com/office/powerpoint/2010/main" val="3967305933"/>
+        <p14:creationId xmlns:p14="http://schemas.microsoft.com/office/powerpoint/2010/main" val="1677278690"/>
       </p:ext>
     </p:extLst>
   </p:cSld>
@@ -1443,7 +1443,7 @@
               <a:pPr>
                 <a:defRPr/>
               </a:pPr>
-              <a:t>25</a:t>
+              <a:t>23</a:t>
             </a:fld>
             <a:endParaRPr lang="en-US">
               <a:solidFill>
@@ -1456,7 +1456,7 @@
     </p:spTree>
     <p:extLst>
       <p:ext uri="{BB962C8B-B14F-4D97-AF65-F5344CB8AC3E}">
-        <p14:creationId xmlns:p14="http://schemas.microsoft.com/office/powerpoint/2010/main" val="2660469117"/>
+        <p14:creationId xmlns:p14="http://schemas.microsoft.com/office/powerpoint/2010/main" val="3967305933"/>
       </p:ext>
     </p:extLst>
   </p:cSld>
@@ -1541,7 +1541,7 @@
               <a:pPr>
                 <a:defRPr/>
               </a:pPr>
-              <a:t>26</a:t>
+              <a:t>25</a:t>
             </a:fld>
             <a:endParaRPr lang="en-US">
               <a:solidFill>
@@ -1554,7 +1554,7 @@
     </p:spTree>
     <p:extLst>
       <p:ext uri="{BB962C8B-B14F-4D97-AF65-F5344CB8AC3E}">
-        <p14:creationId xmlns:p14="http://schemas.microsoft.com/office/powerpoint/2010/main" val="1510441523"/>
+        <p14:creationId xmlns:p14="http://schemas.microsoft.com/office/powerpoint/2010/main" val="2660469117"/>
       </p:ext>
     </p:extLst>
   </p:cSld>
@@ -1639,7 +1639,7 @@
               <a:pPr>
                 <a:defRPr/>
               </a:pPr>
-              <a:t>27</a:t>
+              <a:t>26</a:t>
             </a:fld>
             <a:endParaRPr lang="en-US">
               <a:solidFill>
@@ -1652,7 +1652,7 @@
     </p:spTree>
     <p:extLst>
       <p:ext uri="{BB962C8B-B14F-4D97-AF65-F5344CB8AC3E}">
-        <p14:creationId xmlns:p14="http://schemas.microsoft.com/office/powerpoint/2010/main" val="4210248343"/>
+        <p14:creationId xmlns:p14="http://schemas.microsoft.com/office/powerpoint/2010/main" val="1510441523"/>
       </p:ext>
     </p:extLst>
   </p:cSld>
@@ -1737,7 +1737,7 @@
               <a:pPr>
                 <a:defRPr/>
               </a:pPr>
-              <a:t>29</a:t>
+              <a:t>27</a:t>
             </a:fld>
             <a:endParaRPr lang="en-US">
               <a:solidFill>
@@ -1750,7 +1750,7 @@
     </p:spTree>
     <p:extLst>
       <p:ext uri="{BB962C8B-B14F-4D97-AF65-F5344CB8AC3E}">
-        <p14:creationId xmlns:p14="http://schemas.microsoft.com/office/powerpoint/2010/main" val="2963331467"/>
+        <p14:creationId xmlns:p14="http://schemas.microsoft.com/office/powerpoint/2010/main" val="4210248343"/>
       </p:ext>
     </p:extLst>
   </p:cSld>
@@ -1835,7 +1835,7 @@
               <a:pPr>
                 <a:defRPr/>
               </a:pPr>
-              <a:t>30</a:t>
+              <a:t>29</a:t>
             </a:fld>
             <a:endParaRPr lang="en-US">
               <a:solidFill>
@@ -1848,7 +1848,7 @@
     </p:spTree>
     <p:extLst>
       <p:ext uri="{BB962C8B-B14F-4D97-AF65-F5344CB8AC3E}">
-        <p14:creationId xmlns:p14="http://schemas.microsoft.com/office/powerpoint/2010/main" val="1157930204"/>
+        <p14:creationId xmlns:p14="http://schemas.microsoft.com/office/powerpoint/2010/main" val="2963331467"/>
       </p:ext>
     </p:extLst>
   </p:cSld>
@@ -1933,7 +1933,7 @@
               <a:pPr>
                 <a:defRPr/>
               </a:pPr>
-              <a:t>31</a:t>
+              <a:t>30</a:t>
             </a:fld>
             <a:endParaRPr lang="en-US">
               <a:solidFill>
@@ -1946,7 +1946,7 @@
     </p:spTree>
     <p:extLst>
       <p:ext uri="{BB962C8B-B14F-4D97-AF65-F5344CB8AC3E}">
-        <p14:creationId xmlns:p14="http://schemas.microsoft.com/office/powerpoint/2010/main" val="281165232"/>
+        <p14:creationId xmlns:p14="http://schemas.microsoft.com/office/powerpoint/2010/main" val="1157930204"/>
       </p:ext>
     </p:extLst>
   </p:cSld>
@@ -2000,27 +2000,7 @@
           <a:bodyPr/>
           <a:lstStyle/>
           <a:p>
-            <a:pPr marL="171450" indent="-171450">
-              <a:buFontTx/>
-              <a:buChar char="-"/>
-            </a:pPr>
-            <a:r>
-              <a:rPr lang="en-US" sz="1200" dirty="0"/>
-              <a:t>0 Independent Variables</a:t>
-            </a:r>
-          </a:p>
-          <a:p>
-            <a:pPr marL="171450" indent="-171450">
-              <a:buFontTx/>
-              <a:buChar char="-"/>
-            </a:pPr>
-            <a:endParaRPr lang="en-US" sz="1200" dirty="0"/>
-          </a:p>
-          <a:p>
-            <a:r>
-              <a:rPr lang="en-US" sz="1200" dirty="0"/>
-              <a:t>- The Dependent Variable is ordinal in nature</a:t>
-            </a:r>
+            <a:endParaRPr lang="en-US" dirty="0"/>
           </a:p>
         </p:txBody>
       </p:sp>
@@ -2047,7 +2027,7 @@
               <a:pPr>
                 <a:defRPr/>
               </a:pPr>
-              <a:t>9</a:t>
+              <a:t>5</a:t>
             </a:fld>
             <a:endParaRPr lang="en-US"/>
           </a:p>
@@ -2056,7 +2036,7 @@
     </p:spTree>
     <p:extLst>
       <p:ext uri="{BB962C8B-B14F-4D97-AF65-F5344CB8AC3E}">
-        <p14:creationId xmlns:p14="http://schemas.microsoft.com/office/powerpoint/2010/main" val="49778477"/>
+        <p14:creationId xmlns:p14="http://schemas.microsoft.com/office/powerpoint/2010/main" val="1697223455"/>
       </p:ext>
     </p:extLst>
   </p:cSld>
@@ -2141,7 +2121,7 @@
               <a:pPr>
                 <a:defRPr/>
               </a:pPr>
-              <a:t>33</a:t>
+              <a:t>31</a:t>
             </a:fld>
             <a:endParaRPr lang="en-US">
               <a:solidFill>
@@ -2154,7 +2134,7 @@
     </p:spTree>
     <p:extLst>
       <p:ext uri="{BB962C8B-B14F-4D97-AF65-F5344CB8AC3E}">
-        <p14:creationId xmlns:p14="http://schemas.microsoft.com/office/powerpoint/2010/main" val="2910247366"/>
+        <p14:creationId xmlns:p14="http://schemas.microsoft.com/office/powerpoint/2010/main" val="281165232"/>
       </p:ext>
     </p:extLst>
   </p:cSld>
@@ -2239,7 +2219,7 @@
               <a:pPr>
                 <a:defRPr/>
               </a:pPr>
-              <a:t>34</a:t>
+              <a:t>33</a:t>
             </a:fld>
             <a:endParaRPr lang="en-US">
               <a:solidFill>
@@ -2252,7 +2232,7 @@
     </p:spTree>
     <p:extLst>
       <p:ext uri="{BB962C8B-B14F-4D97-AF65-F5344CB8AC3E}">
-        <p14:creationId xmlns:p14="http://schemas.microsoft.com/office/powerpoint/2010/main" val="3228273495"/>
+        <p14:creationId xmlns:p14="http://schemas.microsoft.com/office/powerpoint/2010/main" val="2910247366"/>
       </p:ext>
     </p:extLst>
   </p:cSld>
@@ -2337,7 +2317,7 @@
               <a:pPr>
                 <a:defRPr/>
               </a:pPr>
-              <a:t>35</a:t>
+              <a:t>34</a:t>
             </a:fld>
             <a:endParaRPr lang="en-US">
               <a:solidFill>
@@ -2350,7 +2330,7 @@
     </p:spTree>
     <p:extLst>
       <p:ext uri="{BB962C8B-B14F-4D97-AF65-F5344CB8AC3E}">
-        <p14:creationId xmlns:p14="http://schemas.microsoft.com/office/powerpoint/2010/main" val="2599899441"/>
+        <p14:creationId xmlns:p14="http://schemas.microsoft.com/office/powerpoint/2010/main" val="3228273495"/>
       </p:ext>
     </p:extLst>
   </p:cSld>
@@ -2435,7 +2415,7 @@
               <a:pPr>
                 <a:defRPr/>
               </a:pPr>
-              <a:t>36</a:t>
+              <a:t>35</a:t>
             </a:fld>
             <a:endParaRPr lang="en-US">
               <a:solidFill>
@@ -2448,7 +2428,7 @@
     </p:spTree>
     <p:extLst>
       <p:ext uri="{BB962C8B-B14F-4D97-AF65-F5344CB8AC3E}">
-        <p14:creationId xmlns:p14="http://schemas.microsoft.com/office/powerpoint/2010/main" val="2777141880"/>
+        <p14:creationId xmlns:p14="http://schemas.microsoft.com/office/powerpoint/2010/main" val="2599899441"/>
       </p:ext>
     </p:extLst>
   </p:cSld>
@@ -2533,7 +2513,7 @@
               <a:pPr>
                 <a:defRPr/>
               </a:pPr>
-              <a:t>38</a:t>
+              <a:t>36</a:t>
             </a:fld>
             <a:endParaRPr lang="en-US">
               <a:solidFill>
@@ -2546,7 +2526,7 @@
     </p:spTree>
     <p:extLst>
       <p:ext uri="{BB962C8B-B14F-4D97-AF65-F5344CB8AC3E}">
-        <p14:creationId xmlns:p14="http://schemas.microsoft.com/office/powerpoint/2010/main" val="1189398897"/>
+        <p14:creationId xmlns:p14="http://schemas.microsoft.com/office/powerpoint/2010/main" val="2777141880"/>
       </p:ext>
     </p:extLst>
   </p:cSld>
@@ -2631,7 +2611,7 @@
               <a:pPr>
                 <a:defRPr/>
               </a:pPr>
-              <a:t>39</a:t>
+              <a:t>38</a:t>
             </a:fld>
             <a:endParaRPr lang="en-US">
               <a:solidFill>
@@ -2644,7 +2624,7 @@
     </p:spTree>
     <p:extLst>
       <p:ext uri="{BB962C8B-B14F-4D97-AF65-F5344CB8AC3E}">
-        <p14:creationId xmlns:p14="http://schemas.microsoft.com/office/powerpoint/2010/main" val="2954451720"/>
+        <p14:creationId xmlns:p14="http://schemas.microsoft.com/office/powerpoint/2010/main" val="1189398897"/>
       </p:ext>
     </p:extLst>
   </p:cSld>
@@ -2729,7 +2709,7 @@
               <a:pPr>
                 <a:defRPr/>
               </a:pPr>
-              <a:t>40</a:t>
+              <a:t>39</a:t>
             </a:fld>
             <a:endParaRPr lang="en-US">
               <a:solidFill>
@@ -2742,7 +2722,7 @@
     </p:spTree>
     <p:extLst>
       <p:ext uri="{BB962C8B-B14F-4D97-AF65-F5344CB8AC3E}">
-        <p14:creationId xmlns:p14="http://schemas.microsoft.com/office/powerpoint/2010/main" val="3059396078"/>
+        <p14:creationId xmlns:p14="http://schemas.microsoft.com/office/powerpoint/2010/main" val="2954451720"/>
       </p:ext>
     </p:extLst>
   </p:cSld>
@@ -2827,7 +2807,7 @@
               <a:pPr>
                 <a:defRPr/>
               </a:pPr>
-              <a:t>41</a:t>
+              <a:t>40</a:t>
             </a:fld>
             <a:endParaRPr lang="en-US">
               <a:solidFill>
@@ -2840,7 +2820,7 @@
     </p:spTree>
     <p:extLst>
       <p:ext uri="{BB962C8B-B14F-4D97-AF65-F5344CB8AC3E}">
-        <p14:creationId xmlns:p14="http://schemas.microsoft.com/office/powerpoint/2010/main" val="90613706"/>
+        <p14:creationId xmlns:p14="http://schemas.microsoft.com/office/powerpoint/2010/main" val="3059396078"/>
       </p:ext>
     </p:extLst>
   </p:cSld>
@@ -2917,20 +2897,28 @@
               <a:defRPr/>
             </a:pPr>
             <a:fld id="{617AA1DB-E718-4430-A27D-7880F482F072}" type="slidenum">
-              <a:rPr lang="en-US" smtClean="0"/>
+              <a:rPr lang="en-US" smtClean="0">
+                <a:solidFill>
+                  <a:srgbClr val="000000"/>
+                </a:solidFill>
+              </a:rPr>
               <a:pPr>
                 <a:defRPr/>
               </a:pPr>
-              <a:t>42</a:t>
+              <a:t>41</a:t>
             </a:fld>
-            <a:endParaRPr lang="en-US"/>
+            <a:endParaRPr lang="en-US">
+              <a:solidFill>
+                <a:srgbClr val="000000"/>
+              </a:solidFill>
+            </a:endParaRPr>
           </a:p>
         </p:txBody>
       </p:sp>
     </p:spTree>
     <p:extLst>
       <p:ext uri="{BB962C8B-B14F-4D97-AF65-F5344CB8AC3E}">
-        <p14:creationId xmlns:p14="http://schemas.microsoft.com/office/powerpoint/2010/main" val="3424233792"/>
+        <p14:creationId xmlns:p14="http://schemas.microsoft.com/office/powerpoint/2010/main" val="90613706"/>
       </p:ext>
     </p:extLst>
   </p:cSld>
@@ -3007,28 +2995,20 @@
               <a:defRPr/>
             </a:pPr>
             <a:fld id="{617AA1DB-E718-4430-A27D-7880F482F072}" type="slidenum">
-              <a:rPr lang="en-US" smtClean="0">
-                <a:solidFill>
-                  <a:srgbClr val="000000"/>
-                </a:solidFill>
-              </a:rPr>
+              <a:rPr lang="en-US" smtClean="0"/>
               <a:pPr>
                 <a:defRPr/>
               </a:pPr>
-              <a:t>43</a:t>
+              <a:t>42</a:t>
             </a:fld>
-            <a:endParaRPr lang="en-US">
-              <a:solidFill>
-                <a:srgbClr val="000000"/>
-              </a:solidFill>
-            </a:endParaRPr>
+            <a:endParaRPr lang="en-US"/>
           </a:p>
         </p:txBody>
       </p:sp>
     </p:spTree>
     <p:extLst>
       <p:ext uri="{BB962C8B-B14F-4D97-AF65-F5344CB8AC3E}">
-        <p14:creationId xmlns:p14="http://schemas.microsoft.com/office/powerpoint/2010/main" val="3125372581"/>
+        <p14:creationId xmlns:p14="http://schemas.microsoft.com/office/powerpoint/2010/main" val="3424233792"/>
       </p:ext>
     </p:extLst>
   </p:cSld>
@@ -3082,27 +3062,26 @@
           <a:bodyPr/>
           <a:lstStyle/>
           <a:p>
+            <a:pPr marL="171450" indent="-171450">
+              <a:buFontTx/>
+              <a:buChar char="-"/>
+            </a:pPr>
             <a:r>
-              <a:rPr lang="en-US" dirty="0"/>
-              <a:t>- 1 Dependent Variable</a:t>
+              <a:rPr lang="en-US" sz="1200" dirty="0"/>
+              <a:t>0 Independent Variables</a:t>
             </a:r>
           </a:p>
           <a:p>
-            <a:endParaRPr lang="en-US" dirty="0"/>
+            <a:pPr marL="171450" indent="-171450">
+              <a:buFontTx/>
+              <a:buChar char="-"/>
+            </a:pPr>
+            <a:endParaRPr lang="en-US" sz="1200" dirty="0"/>
           </a:p>
           <a:p>
             <a:r>
-              <a:rPr lang="en-US" dirty="0"/>
-              <a:t>- 0 Independent Variables</a:t>
-            </a:r>
-          </a:p>
-          <a:p>
-            <a:endParaRPr lang="en-US" dirty="0"/>
-          </a:p>
-          <a:p>
-            <a:r>
-              <a:rPr lang="en-US" dirty="0"/>
-              <a:t>- Dependent Variable nature is Nominal or categorical (two categories – red and green)</a:t>
+              <a:rPr lang="en-US" sz="1200" dirty="0"/>
+              <a:t>- The Dependent Variable is ordinal in nature</a:t>
             </a:r>
           </a:p>
         </p:txBody>
@@ -3114,7 +3093,7 @@
             <a:spLocks noGrp="1"/>
           </p:cNvSpPr>
           <p:nvPr>
-            <p:ph type="sldNum" sz="quarter" idx="10"/>
+            <p:ph type="sldNum" sz="quarter" idx="5"/>
           </p:nvPr>
         </p:nvSpPr>
         <p:spPr/>
@@ -3130,7 +3109,7 @@
               <a:pPr>
                 <a:defRPr/>
               </a:pPr>
-              <a:t>10</a:t>
+              <a:t>9</a:t>
             </a:fld>
             <a:endParaRPr lang="en-US"/>
           </a:p>
@@ -3139,7 +3118,7 @@
     </p:spTree>
     <p:extLst>
       <p:ext uri="{BB962C8B-B14F-4D97-AF65-F5344CB8AC3E}">
-        <p14:creationId xmlns:p14="http://schemas.microsoft.com/office/powerpoint/2010/main" val="2971942869"/>
+        <p14:creationId xmlns:p14="http://schemas.microsoft.com/office/powerpoint/2010/main" val="49778477"/>
       </p:ext>
     </p:extLst>
   </p:cSld>
@@ -3224,7 +3203,7 @@
               <a:pPr>
                 <a:defRPr/>
               </a:pPr>
-              <a:t>44</a:t>
+              <a:t>43</a:t>
             </a:fld>
             <a:endParaRPr lang="en-US">
               <a:solidFill>
@@ -3237,7 +3216,7 @@
     </p:spTree>
     <p:extLst>
       <p:ext uri="{BB962C8B-B14F-4D97-AF65-F5344CB8AC3E}">
-        <p14:creationId xmlns:p14="http://schemas.microsoft.com/office/powerpoint/2010/main" val="926280119"/>
+        <p14:creationId xmlns:p14="http://schemas.microsoft.com/office/powerpoint/2010/main" val="3125372581"/>
       </p:ext>
     </p:extLst>
   </p:cSld>
@@ -3322,7 +3301,7 @@
               <a:pPr>
                 <a:defRPr/>
               </a:pPr>
-              <a:t>45</a:t>
+              <a:t>44</a:t>
             </a:fld>
             <a:endParaRPr lang="en-US">
               <a:solidFill>
@@ -3335,7 +3314,7 @@
     </p:spTree>
     <p:extLst>
       <p:ext uri="{BB962C8B-B14F-4D97-AF65-F5344CB8AC3E}">
-        <p14:creationId xmlns:p14="http://schemas.microsoft.com/office/powerpoint/2010/main" val="2510020337"/>
+        <p14:creationId xmlns:p14="http://schemas.microsoft.com/office/powerpoint/2010/main" val="926280119"/>
       </p:ext>
     </p:extLst>
   </p:cSld>
@@ -3412,6 +3391,104 @@
               <a:defRPr/>
             </a:pPr>
             <a:fld id="{617AA1DB-E718-4430-A27D-7880F482F072}" type="slidenum">
+              <a:rPr lang="en-US" smtClean="0">
+                <a:solidFill>
+                  <a:srgbClr val="000000"/>
+                </a:solidFill>
+              </a:rPr>
+              <a:pPr>
+                <a:defRPr/>
+              </a:pPr>
+              <a:t>45</a:t>
+            </a:fld>
+            <a:endParaRPr lang="en-US">
+              <a:solidFill>
+                <a:srgbClr val="000000"/>
+              </a:solidFill>
+            </a:endParaRPr>
+          </a:p>
+        </p:txBody>
+      </p:sp>
+    </p:spTree>
+    <p:extLst>
+      <p:ext uri="{BB962C8B-B14F-4D97-AF65-F5344CB8AC3E}">
+        <p14:creationId xmlns:p14="http://schemas.microsoft.com/office/powerpoint/2010/main" val="2510020337"/>
+      </p:ext>
+    </p:extLst>
+  </p:cSld>
+  <p:clrMapOvr>
+    <a:masterClrMapping/>
+  </p:clrMapOvr>
+</p:notes>
+</file>
+
+<file path=ppt/notesSlides/notesSlide33.xml><?xml version="1.0" encoding="utf-8"?>
+<p:notes xmlns:a="http://schemas.openxmlformats.org/drawingml/2006/main" xmlns:r="http://schemas.openxmlformats.org/officeDocument/2006/relationships" xmlns:p="http://schemas.openxmlformats.org/presentationml/2006/main">
+  <p:cSld>
+    <p:spTree>
+      <p:nvGrpSpPr>
+        <p:cNvPr id="1" name=""/>
+        <p:cNvGrpSpPr/>
+        <p:nvPr/>
+      </p:nvGrpSpPr>
+      <p:grpSpPr>
+        <a:xfrm>
+          <a:off x="0" y="0"/>
+          <a:ext cx="0" cy="0"/>
+          <a:chOff x="0" y="0"/>
+          <a:chExt cx="0" cy="0"/>
+        </a:xfrm>
+      </p:grpSpPr>
+      <p:sp>
+        <p:nvSpPr>
+          <p:cNvPr id="2" name="Slide Image Placeholder 1"/>
+          <p:cNvSpPr>
+            <a:spLocks noGrp="1" noRot="1" noChangeAspect="1"/>
+          </p:cNvSpPr>
+          <p:nvPr>
+            <p:ph type="sldImg"/>
+          </p:nvPr>
+        </p:nvSpPr>
+        <p:spPr/>
+      </p:sp>
+      <p:sp>
+        <p:nvSpPr>
+          <p:cNvPr id="3" name="Notes Placeholder 2"/>
+          <p:cNvSpPr>
+            <a:spLocks noGrp="1"/>
+          </p:cNvSpPr>
+          <p:nvPr>
+            <p:ph type="body" idx="1"/>
+          </p:nvPr>
+        </p:nvSpPr>
+        <p:spPr/>
+        <p:txBody>
+          <a:bodyPr/>
+          <a:lstStyle/>
+          <a:p>
+            <a:endParaRPr lang="en-US" dirty="0"/>
+          </a:p>
+        </p:txBody>
+      </p:sp>
+      <p:sp>
+        <p:nvSpPr>
+          <p:cNvPr id="4" name="Slide Number Placeholder 3"/>
+          <p:cNvSpPr>
+            <a:spLocks noGrp="1"/>
+          </p:cNvSpPr>
+          <p:nvPr>
+            <p:ph type="sldNum" sz="quarter" idx="10"/>
+          </p:nvPr>
+        </p:nvSpPr>
+        <p:spPr/>
+        <p:txBody>
+          <a:bodyPr/>
+          <a:lstStyle/>
+          <a:p>
+            <a:pPr>
+              <a:defRPr/>
+            </a:pPr>
+            <a:fld id="{617AA1DB-E718-4430-A27D-7880F482F072}" type="slidenum">
               <a:rPr lang="en-US" smtClean="0"/>
               <a:pPr>
                 <a:defRPr/>
@@ -3435,7 +3512,7 @@
 </p:notes>
 </file>
 
-<file path=ppt/notesSlides/notesSlide33.xml><?xml version="1.0" encoding="utf-8"?>
+<file path=ppt/notesSlides/notesSlide34.xml><?xml version="1.0" encoding="utf-8"?>
 <p:notes xmlns:a="http://schemas.openxmlformats.org/drawingml/2006/main" xmlns:r="http://schemas.openxmlformats.org/officeDocument/2006/relationships" xmlns:p="http://schemas.openxmlformats.org/presentationml/2006/main">
   <p:cSld>
     <p:spTree>
@@ -3597,7 +3674,7 @@
           <a:p>
             <a:r>
               <a:rPr lang="en-US" dirty="0"/>
-              <a:t>- Nature of Dependent Variable is Categorical</a:t>
+              <a:t>- Dependent Variable nature is Nominal or categorical (two categories – red and green)</a:t>
             </a:r>
           </a:p>
         </p:txBody>
@@ -3625,7 +3702,7 @@
               <a:pPr>
                 <a:defRPr/>
               </a:pPr>
-              <a:t>11</a:t>
+              <a:t>10</a:t>
             </a:fld>
             <a:endParaRPr lang="en-US"/>
           </a:p>
@@ -3634,7 +3711,7 @@
     </p:spTree>
     <p:extLst>
       <p:ext uri="{BB962C8B-B14F-4D97-AF65-F5344CB8AC3E}">
-        <p14:creationId xmlns:p14="http://schemas.microsoft.com/office/powerpoint/2010/main" val="230214371"/>
+        <p14:creationId xmlns:p14="http://schemas.microsoft.com/office/powerpoint/2010/main" val="2971942869"/>
       </p:ext>
     </p:extLst>
   </p:cSld>
@@ -3688,7 +3765,28 @@
           <a:bodyPr/>
           <a:lstStyle/>
           <a:p>
+            <a:r>
+              <a:rPr lang="en-US" dirty="0"/>
+              <a:t>- 1 Dependent Variable</a:t>
+            </a:r>
+          </a:p>
+          <a:p>
             <a:endParaRPr lang="en-US" dirty="0"/>
+          </a:p>
+          <a:p>
+            <a:r>
+              <a:rPr lang="en-US" dirty="0"/>
+              <a:t>- 0 Independent Variables</a:t>
+            </a:r>
+          </a:p>
+          <a:p>
+            <a:endParaRPr lang="en-US" dirty="0"/>
+          </a:p>
+          <a:p>
+            <a:r>
+              <a:rPr lang="en-US" dirty="0"/>
+              <a:t>- Nature of Dependent Variable is Categorical</a:t>
+            </a:r>
           </a:p>
         </p:txBody>
       </p:sp>
@@ -3711,28 +3809,20 @@
               <a:defRPr/>
             </a:pPr>
             <a:fld id="{617AA1DB-E718-4430-A27D-7880F482F072}" type="slidenum">
-              <a:rPr lang="en-US" smtClean="0">
-                <a:solidFill>
-                  <a:srgbClr val="000000"/>
-                </a:solidFill>
-              </a:rPr>
+              <a:rPr lang="en-US" smtClean="0"/>
               <a:pPr>
                 <a:defRPr/>
               </a:pPr>
-              <a:t>13</a:t>
+              <a:t>11</a:t>
             </a:fld>
-            <a:endParaRPr lang="en-US">
-              <a:solidFill>
-                <a:srgbClr val="000000"/>
-              </a:solidFill>
-            </a:endParaRPr>
+            <a:endParaRPr lang="en-US"/>
           </a:p>
         </p:txBody>
       </p:sp>
     </p:spTree>
     <p:extLst>
       <p:ext uri="{BB962C8B-B14F-4D97-AF65-F5344CB8AC3E}">
-        <p14:creationId xmlns:p14="http://schemas.microsoft.com/office/powerpoint/2010/main" val="817766449"/>
+        <p14:creationId xmlns:p14="http://schemas.microsoft.com/office/powerpoint/2010/main" val="230214371"/>
       </p:ext>
     </p:extLst>
   </p:cSld>
@@ -3817,7 +3907,7 @@
               <a:pPr>
                 <a:defRPr/>
               </a:pPr>
-              <a:t>14</a:t>
+              <a:t>13</a:t>
             </a:fld>
             <a:endParaRPr lang="en-US">
               <a:solidFill>
@@ -3830,7 +3920,7 @@
     </p:spTree>
     <p:extLst>
       <p:ext uri="{BB962C8B-B14F-4D97-AF65-F5344CB8AC3E}">
-        <p14:creationId xmlns:p14="http://schemas.microsoft.com/office/powerpoint/2010/main" val="2250089598"/>
+        <p14:creationId xmlns:p14="http://schemas.microsoft.com/office/powerpoint/2010/main" val="817766449"/>
       </p:ext>
     </p:extLst>
   </p:cSld>
@@ -3915,7 +4005,7 @@
               <a:pPr>
                 <a:defRPr/>
               </a:pPr>
-              <a:t>15</a:t>
+              <a:t>14</a:t>
             </a:fld>
             <a:endParaRPr lang="en-US">
               <a:solidFill>
@@ -3928,7 +4018,7 @@
     </p:spTree>
     <p:extLst>
       <p:ext uri="{BB962C8B-B14F-4D97-AF65-F5344CB8AC3E}">
-        <p14:creationId xmlns:p14="http://schemas.microsoft.com/office/powerpoint/2010/main" val="3192410893"/>
+        <p14:creationId xmlns:p14="http://schemas.microsoft.com/office/powerpoint/2010/main" val="2250089598"/>
       </p:ext>
     </p:extLst>
   </p:cSld>
@@ -4013,7 +4103,7 @@
               <a:pPr>
                 <a:defRPr/>
               </a:pPr>
-              <a:t>17</a:t>
+              <a:t>15</a:t>
             </a:fld>
             <a:endParaRPr lang="en-US">
               <a:solidFill>
@@ -4026,7 +4116,7 @@
     </p:spTree>
     <p:extLst>
       <p:ext uri="{BB962C8B-B14F-4D97-AF65-F5344CB8AC3E}">
-        <p14:creationId xmlns:p14="http://schemas.microsoft.com/office/powerpoint/2010/main" val="1797859933"/>
+        <p14:creationId xmlns:p14="http://schemas.microsoft.com/office/powerpoint/2010/main" val="3192410893"/>
       </p:ext>
     </p:extLst>
   </p:cSld>
@@ -4111,7 +4201,7 @@
               <a:pPr>
                 <a:defRPr/>
               </a:pPr>
-              <a:t>18</a:t>
+              <a:t>17</a:t>
             </a:fld>
             <a:endParaRPr lang="en-US">
               <a:solidFill>
@@ -4124,7 +4214,7 @@
     </p:spTree>
     <p:extLst>
       <p:ext uri="{BB962C8B-B14F-4D97-AF65-F5344CB8AC3E}">
-        <p14:creationId xmlns:p14="http://schemas.microsoft.com/office/powerpoint/2010/main" val="1897408486"/>
+        <p14:creationId xmlns:p14="http://schemas.microsoft.com/office/powerpoint/2010/main" val="1797859933"/>
       </p:ext>
     </p:extLst>
   </p:cSld>
@@ -5063,7 +5153,7 @@
                 </a:solidFill>
               </a:rPr>
               <a:pPr/>
-              <a:t>1/20/21</a:t>
+              <a:t>1/25/21</a:t>
             </a:fld>
             <a:endParaRPr lang="en-US">
               <a:solidFill>
@@ -5263,7 +5353,7 @@
                 </a:solidFill>
               </a:rPr>
               <a:pPr/>
-              <a:t>1/20/21</a:t>
+              <a:t>1/25/21</a:t>
             </a:fld>
             <a:endParaRPr lang="en-US">
               <a:solidFill>
@@ -5540,7 +5630,7 @@
                 </a:solidFill>
               </a:rPr>
               <a:pPr/>
-              <a:t>1/20/21</a:t>
+              <a:t>1/25/21</a:t>
             </a:fld>
             <a:endParaRPr lang="en-US">
               <a:solidFill>
@@ -5801,7 +5891,7 @@
                 </a:solidFill>
               </a:rPr>
               <a:pPr/>
-              <a:t>1/20/21</a:t>
+              <a:t>1/25/21</a:t>
             </a:fld>
             <a:endParaRPr lang="en-US">
               <a:solidFill>
@@ -6197,7 +6287,7 @@
                 </a:solidFill>
               </a:rPr>
               <a:pPr/>
-              <a:t>1/20/21</a:t>
+              <a:t>1/25/21</a:t>
             </a:fld>
             <a:endParaRPr lang="en-US">
               <a:solidFill>
@@ -6346,7 +6436,7 @@
                 </a:solidFill>
               </a:rPr>
               <a:pPr/>
-              <a:t>1/20/21</a:t>
+              <a:t>1/25/21</a:t>
             </a:fld>
             <a:endParaRPr lang="en-US">
               <a:solidFill>
@@ -6473,7 +6563,7 @@
                 </a:solidFill>
               </a:rPr>
               <a:pPr/>
-              <a:t>1/20/21</a:t>
+              <a:t>1/25/21</a:t>
             </a:fld>
             <a:endParaRPr lang="en-US">
               <a:solidFill>
@@ -6780,7 +6870,7 @@
                 </a:solidFill>
               </a:rPr>
               <a:pPr/>
-              <a:t>1/20/21</a:t>
+              <a:t>1/25/21</a:t>
             </a:fld>
             <a:endParaRPr lang="en-US">
               <a:solidFill>
@@ -7241,7 +7331,7 @@
                 </a:solidFill>
               </a:rPr>
               <a:pPr/>
-              <a:t>1/20/21</a:t>
+              <a:t>1/25/21</a:t>
             </a:fld>
             <a:endParaRPr lang="en-US">
               <a:solidFill>
@@ -7441,7 +7531,7 @@
                 </a:solidFill>
               </a:rPr>
               <a:pPr/>
-              <a:t>1/20/21</a:t>
+              <a:t>1/25/21</a:t>
             </a:fld>
             <a:endParaRPr lang="en-US">
               <a:solidFill>
@@ -7651,7 +7741,7 @@
                 </a:solidFill>
               </a:rPr>
               <a:pPr/>
-              <a:t>1/20/21</a:t>
+              <a:t>1/25/21</a:t>
             </a:fld>
             <a:endParaRPr lang="en-US">
               <a:solidFill>
@@ -10531,7 +10621,7 @@
                   <a:spcPts val="0"/>
                 </a:spcAft>
               </a:pPr>
-              <a:t>1/20/21</a:t>
+              <a:t>1/25/21</a:t>
             </a:fld>
             <a:endParaRPr lang="en-US">
               <a:solidFill>
@@ -11232,7 +11322,7 @@
           <a:graphicData uri="http://schemas.openxmlformats.org/presentationml/2006/ole">
             <mc:AlternateContent xmlns:mc="http://schemas.openxmlformats.org/markup-compatibility/2006">
               <mc:Choice xmlns:v="urn:schemas-microsoft-com:vml" Requires="v">
-                <p:oleObj spid="_x0000_s3233" name="Worksheet" r:id="rId4" imgW="5067330" imgH="2343023" progId="Excel.Sheet.12">
+                <p:oleObj spid="_x0000_s3235" name="Worksheet" r:id="rId4" imgW="5067330" imgH="2343023" progId="Excel.Sheet.12">
                   <p:embed/>
                 </p:oleObj>
               </mc:Choice>
@@ -11481,7 +11571,7 @@
           <a:graphicData uri="http://schemas.openxmlformats.org/presentationml/2006/ole">
             <mc:AlternateContent xmlns:mc="http://schemas.openxmlformats.org/markup-compatibility/2006">
               <mc:Choice xmlns:v="urn:schemas-microsoft-com:vml" Requires="v">
-                <p:oleObj spid="_x0000_s4253" name="Worksheet" r:id="rId4" imgW="5067330" imgH="2343023" progId="Excel.Sheet.12">
+                <p:oleObj spid="_x0000_s4255" name="Worksheet" r:id="rId4" imgW="5067330" imgH="2343023" progId="Excel.Sheet.12">
                   <p:embed/>
                 </p:oleObj>
               </mc:Choice>
@@ -13914,7 +14004,7 @@
           <a:graphicData uri="http://schemas.openxmlformats.org/presentationml/2006/ole">
             <mc:AlternateContent xmlns:mc="http://schemas.openxmlformats.org/markup-compatibility/2006">
               <mc:Choice xmlns:v="urn:schemas-microsoft-com:vml" Requires="v">
-                <p:oleObj spid="_x0000_s5275" name="Worksheet" r:id="rId4" imgW="5067330" imgH="2343023" progId="Excel.Sheet.12">
+                <p:oleObj spid="_x0000_s5277" name="Worksheet" r:id="rId4" imgW="5067330" imgH="2343023" progId="Excel.Sheet.12">
                   <p:embed/>
                 </p:oleObj>
               </mc:Choice>
@@ -14181,7 +14271,7 @@
           <a:graphicData uri="http://schemas.openxmlformats.org/presentationml/2006/ole">
             <mc:AlternateContent xmlns:mc="http://schemas.openxmlformats.org/markup-compatibility/2006">
               <mc:Choice xmlns:v="urn:schemas-microsoft-com:vml" Requires="v">
-                <p:oleObj spid="_x0000_s6298" name="Worksheet" r:id="rId4" imgW="6648374" imgH="2343023" progId="Excel.Sheet.12">
+                <p:oleObj spid="_x0000_s6300" name="Worksheet" r:id="rId4" imgW="6648374" imgH="2343023" progId="Excel.Sheet.12">
                   <p:embed/>
                 </p:oleObj>
               </mc:Choice>
@@ -14430,7 +14520,7 @@
           <a:graphicData uri="http://schemas.openxmlformats.org/presentationml/2006/ole">
             <mc:AlternateContent xmlns:mc="http://schemas.openxmlformats.org/markup-compatibility/2006">
               <mc:Choice xmlns:v="urn:schemas-microsoft-com:vml" Requires="v">
-                <p:oleObj spid="_x0000_s7319" name="Worksheet" r:id="rId4" imgW="6648374" imgH="2390802" progId="Excel.Sheet.12">
+                <p:oleObj spid="_x0000_s7321" name="Worksheet" r:id="rId4" imgW="6648374" imgH="2390802" progId="Excel.Sheet.12">
                   <p:embed/>
                 </p:oleObj>
               </mc:Choice>
@@ -14623,7 +14713,7 @@
         </p:nvGraphicFramePr>
         <p:xfrm>
           <a:off x="76201" y="1676400"/>
-          <a:ext cx="9067799" cy="1097280"/>
+          <a:ext cx="9067799" cy="1066799"/>
         </p:xfrm>
         <a:graphic>
           <a:graphicData uri="http://schemas.openxmlformats.org/drawingml/2006/table">
@@ -16713,7 +16803,7 @@
           <a:graphicData uri="http://schemas.openxmlformats.org/presentationml/2006/ole">
             <mc:AlternateContent xmlns:mc="http://schemas.openxmlformats.org/markup-compatibility/2006">
               <mc:Choice xmlns:v="urn:schemas-microsoft-com:vml" Requires="v">
-                <p:oleObj spid="_x0000_s9363" name="Worksheet" r:id="rId4" imgW="6648374" imgH="2390802" progId="Excel.Sheet.12">
+                <p:oleObj spid="_x0000_s9365" name="Worksheet" r:id="rId4" imgW="6648374" imgH="2390802" progId="Excel.Sheet.12">
                   <p:embed/>
                 </p:oleObj>
               </mc:Choice>
@@ -17103,7 +17193,7 @@
           <a:graphicData uri="http://schemas.openxmlformats.org/presentationml/2006/ole">
             <mc:AlternateContent xmlns:mc="http://schemas.openxmlformats.org/markup-compatibility/2006">
               <mc:Choice xmlns:v="urn:schemas-microsoft-com:vml" Requires="v">
-                <p:oleObj spid="_x0000_s10369" name="Worksheet" r:id="rId4" imgW="6648374" imgH="2390802" progId="Excel.Sheet.12">
+                <p:oleObj spid="_x0000_s10371" name="Worksheet" r:id="rId4" imgW="6648374" imgH="2390802" progId="Excel.Sheet.12">
                   <p:embed/>
                 </p:oleObj>
               </mc:Choice>
@@ -17352,7 +17442,7 @@
           <a:graphicData uri="http://schemas.openxmlformats.org/presentationml/2006/ole">
             <mc:AlternateContent xmlns:mc="http://schemas.openxmlformats.org/markup-compatibility/2006">
               <mc:Choice xmlns:v="urn:schemas-microsoft-com:vml" Requires="v">
-                <p:oleObj spid="_x0000_s11388" name="Worksheet" r:id="rId4" imgW="6648374" imgH="2390802" progId="Excel.Sheet.12">
+                <p:oleObj spid="_x0000_s11390" name="Worksheet" r:id="rId4" imgW="6648374" imgH="2390802" progId="Excel.Sheet.12">
                   <p:embed/>
                 </p:oleObj>
               </mc:Choice>
@@ -17740,7 +17830,7 @@
         </p:nvGraphicFramePr>
         <p:xfrm>
           <a:off x="76201" y="1676400"/>
-          <a:ext cx="9067799" cy="1097280"/>
+          <a:ext cx="9067799" cy="1066799"/>
         </p:xfrm>
         <a:graphic>
           <a:graphicData uri="http://schemas.openxmlformats.org/drawingml/2006/table">
@@ -19952,7 +20042,7 @@
           <a:graphicData uri="http://schemas.openxmlformats.org/presentationml/2006/ole">
             <mc:AlternateContent xmlns:mc="http://schemas.openxmlformats.org/markup-compatibility/2006">
               <mc:Choice xmlns:v="urn:schemas-microsoft-com:vml" Requires="v">
-                <p:oleObj spid="_x0000_s12411" name="Worksheet" r:id="rId4" imgW="6648374" imgH="2390802" progId="Excel.Sheet.12">
+                <p:oleObj spid="_x0000_s12413" name="Worksheet" r:id="rId4" imgW="6648374" imgH="2390802" progId="Excel.Sheet.12">
                   <p:embed/>
                 </p:oleObj>
               </mc:Choice>
@@ -20219,7 +20309,7 @@
           <a:graphicData uri="http://schemas.openxmlformats.org/presentationml/2006/ole">
             <mc:AlternateContent xmlns:mc="http://schemas.openxmlformats.org/markup-compatibility/2006">
               <mc:Choice xmlns:v="urn:schemas-microsoft-com:vml" Requires="v">
-                <p:oleObj spid="_x0000_s13432" name="Worksheet" r:id="rId4" imgW="6648374" imgH="2390802" progId="Excel.Sheet.12">
+                <p:oleObj spid="_x0000_s13434" name="Worksheet" r:id="rId4" imgW="6648374" imgH="2390802" progId="Excel.Sheet.12">
                   <p:embed/>
                 </p:oleObj>
               </mc:Choice>
@@ -20468,7 +20558,7 @@
           <a:graphicData uri="http://schemas.openxmlformats.org/presentationml/2006/ole">
             <mc:AlternateContent xmlns:mc="http://schemas.openxmlformats.org/markup-compatibility/2006">
               <mc:Choice xmlns:v="urn:schemas-microsoft-com:vml" Requires="v">
-                <p:oleObj spid="_x0000_s14452" name="Worksheet" r:id="rId4" imgW="6648374" imgH="2390802" progId="Excel.Sheet.12">
+                <p:oleObj spid="_x0000_s14454" name="Worksheet" r:id="rId4" imgW="6648374" imgH="2390802" progId="Excel.Sheet.12">
                   <p:embed/>
                 </p:oleObj>
               </mc:Choice>
@@ -20618,7 +20708,7 @@
         </p:nvGraphicFramePr>
         <p:xfrm>
           <a:off x="76201" y="1676400"/>
-          <a:ext cx="9067799" cy="1097280"/>
+          <a:ext cx="9067799" cy="1066799"/>
         </p:xfrm>
         <a:graphic>
           <a:graphicData uri="http://schemas.openxmlformats.org/drawingml/2006/table">
@@ -22919,7 +23009,7 @@
           <a:graphicData uri="http://schemas.openxmlformats.org/presentationml/2006/ole">
             <mc:AlternateContent xmlns:mc="http://schemas.openxmlformats.org/markup-compatibility/2006">
               <mc:Choice xmlns:v="urn:schemas-microsoft-com:vml" Requires="v">
-                <p:oleObj spid="_x0000_s15471" name="Worksheet" r:id="rId4" imgW="6648374" imgH="2390802" progId="Excel.Sheet.12">
+                <p:oleObj spid="_x0000_s15473" name="Worksheet" r:id="rId4" imgW="6648374" imgH="2390802" progId="Excel.Sheet.12">
                   <p:embed/>
                 </p:oleObj>
               </mc:Choice>
@@ -23168,7 +23258,7 @@
           <a:graphicData uri="http://schemas.openxmlformats.org/presentationml/2006/ole">
             <mc:AlternateContent xmlns:mc="http://schemas.openxmlformats.org/markup-compatibility/2006">
               <mc:Choice xmlns:v="urn:schemas-microsoft-com:vml" Requires="v">
-                <p:oleObj spid="_x0000_s16491" name="Worksheet" r:id="rId4" imgW="6648374" imgH="2390802" progId="Excel.Sheet.12">
+                <p:oleObj spid="_x0000_s16493" name="Worksheet" r:id="rId4" imgW="6648374" imgH="2390802" progId="Excel.Sheet.12">
                   <p:embed/>
                 </p:oleObj>
               </mc:Choice>
@@ -23435,7 +23525,7 @@
           <a:graphicData uri="http://schemas.openxmlformats.org/presentationml/2006/ole">
             <mc:AlternateContent xmlns:mc="http://schemas.openxmlformats.org/markup-compatibility/2006">
               <mc:Choice xmlns:v="urn:schemas-microsoft-com:vml" Requires="v">
-                <p:oleObj spid="_x0000_s17510" name="Worksheet" r:id="rId4" imgW="5172067" imgH="1438206" progId="Excel.Sheet.12">
+                <p:oleObj spid="_x0000_s17512" name="Worksheet" r:id="rId4" imgW="5172067" imgH="1438206" progId="Excel.Sheet.12">
                   <p:embed/>
                 </p:oleObj>
               </mc:Choice>
@@ -23578,7 +23668,7 @@
         </p:nvGraphicFramePr>
         <p:xfrm>
           <a:off x="76201" y="1676400"/>
-          <a:ext cx="9067799" cy="1097280"/>
+          <a:ext cx="9067799" cy="1066799"/>
         </p:xfrm>
         <a:graphic>
           <a:graphicData uri="http://schemas.openxmlformats.org/drawingml/2006/table">
@@ -25665,7 +25755,7 @@
           <a:graphicData uri="http://schemas.openxmlformats.org/presentationml/2006/ole">
             <mc:AlternateContent xmlns:mc="http://schemas.openxmlformats.org/markup-compatibility/2006">
               <mc:Choice xmlns:v="urn:schemas-microsoft-com:vml" Requires="v">
-                <p:oleObj spid="_x0000_s18525" name="Worksheet" r:id="rId4" imgW="8153294" imgH="2390802" progId="Excel.Sheet.12">
+                <p:oleObj spid="_x0000_s18527" name="Worksheet" r:id="rId4" imgW="8153294" imgH="2390802" progId="Excel.Sheet.12">
                   <p:embed/>
                 </p:oleObj>
               </mc:Choice>
@@ -26153,7 +26243,7 @@
           <a:graphicData uri="http://schemas.openxmlformats.org/presentationml/2006/ole">
             <mc:AlternateContent xmlns:mc="http://schemas.openxmlformats.org/markup-compatibility/2006">
               <mc:Choice xmlns:v="urn:schemas-microsoft-com:vml" Requires="v">
-                <p:oleObj spid="_x0000_s19545" name="Worksheet" r:id="rId4" imgW="8096337" imgH="1438206" progId="Excel.Sheet.12">
+                <p:oleObj spid="_x0000_s19547" name="Worksheet" r:id="rId4" imgW="8096337" imgH="1438206" progId="Excel.Sheet.12">
                   <p:embed/>
                 </p:oleObj>
               </mc:Choice>
@@ -26420,7 +26510,7 @@
           <a:graphicData uri="http://schemas.openxmlformats.org/presentationml/2006/ole">
             <mc:AlternateContent xmlns:mc="http://schemas.openxmlformats.org/markup-compatibility/2006">
               <mc:Choice xmlns:v="urn:schemas-microsoft-com:vml" Requires="v">
-                <p:oleObj spid="_x0000_s20566" name="Worksheet" r:id="rId4" imgW="7753242" imgH="1438206" progId="Excel.Sheet.12">
+                <p:oleObj spid="_x0000_s20568" name="Worksheet" r:id="rId4" imgW="7753242" imgH="1438206" progId="Excel.Sheet.12">
                   <p:embed/>
                 </p:oleObj>
               </mc:Choice>
@@ -26567,7 +26657,7 @@
         </p:nvGraphicFramePr>
         <p:xfrm>
           <a:off x="76201" y="1676400"/>
-          <a:ext cx="9067799" cy="1097280"/>
+          <a:ext cx="9067799" cy="1066799"/>
         </p:xfrm>
         <a:graphic>
           <a:graphicData uri="http://schemas.openxmlformats.org/drawingml/2006/table">
@@ -29069,7 +29159,7 @@
           <a:graphicData uri="http://schemas.openxmlformats.org/presentationml/2006/ole">
             <mc:AlternateContent xmlns:mc="http://schemas.openxmlformats.org/markup-compatibility/2006">
               <mc:Choice xmlns:v="urn:schemas-microsoft-com:vml" Requires="v">
-                <p:oleObj spid="_x0000_s21585" name="Worksheet" r:id="rId4" imgW="7229556" imgH="1438206" progId="Excel.Sheet.12">
+                <p:oleObj spid="_x0000_s21587" name="Worksheet" r:id="rId4" imgW="7229556" imgH="1438206" progId="Excel.Sheet.12">
                   <p:embed/>
                 </p:oleObj>
               </mc:Choice>
@@ -29372,7 +29462,7 @@
           <a:graphicData uri="http://schemas.openxmlformats.org/presentationml/2006/ole">
             <mc:AlternateContent xmlns:mc="http://schemas.openxmlformats.org/markup-compatibility/2006">
               <mc:Choice xmlns:v="urn:schemas-microsoft-com:vml" Requires="v">
-                <p:oleObj spid="_x0000_s22607" name="Worksheet" r:id="rId4" imgW="7229556" imgH="1438206" progId="Excel.Sheet.12">
+                <p:oleObj spid="_x0000_s22609" name="Worksheet" r:id="rId4" imgW="7229556" imgH="1438206" progId="Excel.Sheet.12">
                   <p:embed/>
                 </p:oleObj>
               </mc:Choice>
@@ -29621,7 +29711,7 @@
           <a:graphicData uri="http://schemas.openxmlformats.org/presentationml/2006/ole">
             <mc:AlternateContent xmlns:mc="http://schemas.openxmlformats.org/markup-compatibility/2006">
               <mc:Choice xmlns:v="urn:schemas-microsoft-com:vml" Requires="v">
-                <p:oleObj spid="_x0000_s23628" name="Worksheet" r:id="rId4" imgW="7229556" imgH="1438206" progId="Excel.Sheet.12">
+                <p:oleObj spid="_x0000_s23630" name="Worksheet" r:id="rId4" imgW="7229556" imgH="1438206" progId="Excel.Sheet.12">
                   <p:embed/>
                 </p:oleObj>
               </mc:Choice>
@@ -29888,7 +29978,7 @@
           <a:graphicData uri="http://schemas.openxmlformats.org/presentationml/2006/ole">
             <mc:AlternateContent xmlns:mc="http://schemas.openxmlformats.org/markup-compatibility/2006">
               <mc:Choice xmlns:v="urn:schemas-microsoft-com:vml" Requires="v">
-                <p:oleObj spid="_x0000_s24648" name="Worksheet" r:id="rId4" imgW="7229556" imgH="1438206" progId="Excel.Sheet.12">
+                <p:oleObj spid="_x0000_s24650" name="Worksheet" r:id="rId4" imgW="7229556" imgH="1438206" progId="Excel.Sheet.12">
                   <p:embed/>
                 </p:oleObj>
               </mc:Choice>
@@ -30035,7 +30125,7 @@
         </p:nvGraphicFramePr>
         <p:xfrm>
           <a:off x="76201" y="1676400"/>
-          <a:ext cx="9067799" cy="1097280"/>
+          <a:ext cx="9067799" cy="1066799"/>
         </p:xfrm>
         <a:graphic>
           <a:graphicData uri="http://schemas.openxmlformats.org/drawingml/2006/table">
@@ -32276,7 +32366,7 @@
           <a:graphicData uri="http://schemas.openxmlformats.org/presentationml/2006/ole">
             <mc:AlternateContent xmlns:mc="http://schemas.openxmlformats.org/markup-compatibility/2006">
               <mc:Choice xmlns:v="urn:schemas-microsoft-com:vml" Requires="v">
-                <p:oleObj spid="_x0000_s25665" name="Worksheet" r:id="rId4" imgW="6581698" imgH="1438206" progId="Excel.Sheet.12">
+                <p:oleObj spid="_x0000_s25667" name="Worksheet" r:id="rId4" imgW="6581698" imgH="1438206" progId="Excel.Sheet.12">
                   <p:embed/>
                 </p:oleObj>
               </mc:Choice>
@@ -32525,7 +32615,7 @@
           <a:graphicData uri="http://schemas.openxmlformats.org/presentationml/2006/ole">
             <mc:AlternateContent xmlns:mc="http://schemas.openxmlformats.org/markup-compatibility/2006">
               <mc:Choice xmlns:v="urn:schemas-microsoft-com:vml" Requires="v">
-                <p:oleObj spid="_x0000_s26685" name="Worksheet" r:id="rId4" imgW="5762698" imgH="1438206" progId="Excel.Sheet.12">
+                <p:oleObj spid="_x0000_s26687" name="Worksheet" r:id="rId4" imgW="5762698" imgH="1438206" progId="Excel.Sheet.12">
                   <p:embed/>
                 </p:oleObj>
               </mc:Choice>
@@ -33061,7 +33151,7 @@
           <a:graphicData uri="http://schemas.openxmlformats.org/presentationml/2006/ole">
             <mc:AlternateContent xmlns:mc="http://schemas.openxmlformats.org/markup-compatibility/2006">
               <mc:Choice xmlns:v="urn:schemas-microsoft-com:vml" Requires="v">
-                <p:oleObj spid="_x0000_s27706" name="Worksheet" r:id="rId4" imgW="5534058" imgH="1438206" progId="Excel.Sheet.12">
+                <p:oleObj spid="_x0000_s27708" name="Worksheet" r:id="rId4" imgW="5534058" imgH="1438206" progId="Excel.Sheet.12">
                   <p:embed/>
                 </p:oleObj>
               </mc:Choice>
@@ -33310,7 +33400,7 @@
           <a:graphicData uri="http://schemas.openxmlformats.org/presentationml/2006/ole">
             <mc:AlternateContent xmlns:mc="http://schemas.openxmlformats.org/markup-compatibility/2006">
               <mc:Choice xmlns:v="urn:schemas-microsoft-com:vml" Requires="v">
-                <p:oleObj spid="_x0000_s28725" name="Worksheet" r:id="rId4" imgW="6105523" imgH="1438206" progId="Excel.Sheet.12">
+                <p:oleObj spid="_x0000_s28727" name="Worksheet" r:id="rId4" imgW="6105523" imgH="1438206" progId="Excel.Sheet.12">
                   <p:embed/>
                 </p:oleObj>
               </mc:Choice>
@@ -36005,7 +36095,7 @@
           <a:graphicData uri="http://schemas.openxmlformats.org/presentationml/2006/ole">
             <mc:AlternateContent xmlns:mc="http://schemas.openxmlformats.org/markup-compatibility/2006">
               <mc:Choice xmlns:v="urn:schemas-microsoft-com:vml" Requires="v">
-                <p:oleObj spid="_x0000_s29744" name="Worksheet" r:id="rId4" imgW="6515023" imgH="1438206" progId="Excel.Sheet.12">
+                <p:oleObj spid="_x0000_s29746" name="Worksheet" r:id="rId4" imgW="6515023" imgH="1438206" progId="Excel.Sheet.12">
                   <p:embed/>
                 </p:oleObj>
               </mc:Choice>
@@ -36254,7 +36344,7 @@
           <a:graphicData uri="http://schemas.openxmlformats.org/presentationml/2006/ole">
             <mc:AlternateContent xmlns:mc="http://schemas.openxmlformats.org/markup-compatibility/2006">
               <mc:Choice xmlns:v="urn:schemas-microsoft-com:vml" Requires="v">
-                <p:oleObj spid="_x0000_s30767" name="Worksheet" r:id="rId4" imgW="5324584" imgH="1390698" progId="Excel.Sheet.12">
+                <p:oleObj spid="_x0000_s30769" name="Worksheet" r:id="rId4" imgW="5324584" imgH="1390698" progId="Excel.Sheet.12">
                   <p:embed/>
                 </p:oleObj>
               </mc:Choice>
@@ -36503,7 +36593,7 @@
           <a:graphicData uri="http://schemas.openxmlformats.org/presentationml/2006/ole">
             <mc:AlternateContent xmlns:mc="http://schemas.openxmlformats.org/markup-compatibility/2006">
               <mc:Choice xmlns:v="urn:schemas-microsoft-com:vml" Requires="v">
-                <p:oleObj spid="_x0000_s31784" name="Worksheet" r:id="rId4" imgW="5152901" imgH="1390698" progId="Excel.Sheet.12">
+                <p:oleObj spid="_x0000_s31786" name="Worksheet" r:id="rId4" imgW="5152901" imgH="1390698" progId="Excel.Sheet.12">
                   <p:embed/>
                 </p:oleObj>
               </mc:Choice>
@@ -38111,7 +38201,7 @@
           <a:graphicData uri="http://schemas.openxmlformats.org/presentationml/2006/ole">
             <mc:AlternateContent xmlns:mc="http://schemas.openxmlformats.org/markup-compatibility/2006">
               <mc:Choice xmlns:v="urn:schemas-microsoft-com:vml" Requires="v">
-                <p:oleObj spid="_x0000_s32805" name="Worksheet" r:id="rId4" imgW="5600733" imgH="1390698" progId="Excel.Sheet.12">
+                <p:oleObj spid="_x0000_s32807" name="Worksheet" r:id="rId4" imgW="5600733" imgH="1390698" progId="Excel.Sheet.12">
                   <p:embed/>
                 </p:oleObj>
               </mc:Choice>
@@ -38480,7 +38570,7 @@
           <p:nvPr/>
         </p:nvPicPr>
         <p:blipFill>
-          <a:blip r:embed="rId2"/>
+          <a:blip r:embed="rId3"/>
           <a:stretch>
             <a:fillRect/>
           </a:stretch>
@@ -41328,7 +41418,7 @@
           <a:graphicData uri="http://schemas.openxmlformats.org/presentationml/2006/ole">
             <mc:AlternateContent xmlns:mc="http://schemas.openxmlformats.org/markup-compatibility/2006">
               <mc:Choice xmlns:v="urn:schemas-microsoft-com:vml" Requires="v">
-                <p:oleObj spid="_x0000_s1190" name="Worksheet" r:id="rId4" imgW="5067330" imgH="2343023" progId="Excel.Sheet.12">
+                <p:oleObj spid="_x0000_s1192" name="Worksheet" r:id="rId4" imgW="5067330" imgH="2343023" progId="Excel.Sheet.12">
                   <p:embed/>
                 </p:oleObj>
               </mc:Choice>
@@ -41571,7 +41661,7 @@
           <a:graphicData uri="http://schemas.openxmlformats.org/presentationml/2006/ole">
             <mc:AlternateContent xmlns:mc="http://schemas.openxmlformats.org/markup-compatibility/2006">
               <mc:Choice xmlns:v="urn:schemas-microsoft-com:vml" Requires="v">
-                <p:oleObj spid="_x0000_s2213" name="Worksheet" r:id="rId4" imgW="5067330" imgH="2390802" progId="Excel.Sheet.12">
+                <p:oleObj spid="_x0000_s2215" name="Worksheet" r:id="rId4" imgW="5067330" imgH="2390802" progId="Excel.Sheet.12">
                   <p:embed/>
                 </p:oleObj>
               </mc:Choice>
